--- a/docs/W207_Project_Roadmap.pptx
+++ b/docs/W207_Project_Roadmap.pptx
@@ -104,6 +104,11 @@
       </a:defRPr>
     </a:lvl9pPr>
   </p:defaultTextStyle>
+  <p:extLst>
+    <p:ext uri="{EFAFB233-063F-42B5-8137-9DF3F51BA10A}">
+      <p15:sldGuideLst xmlns:p15="http://schemas.microsoft.com/office/powerpoint/2012/main"/>
+    </p:ext>
+  </p:extLst>
 </p:presentation>
 </file>
 
@@ -1016,43 +1021,6 @@
         </a:p>
       </dgm:t>
     </dgm:pt>
-    <dgm:pt modelId="{64A7D7B9-5652-48AA-BF4A-D0811877CB0D}">
-      <dgm:prSet phldrT="[Text]"/>
-      <dgm:spPr/>
-      <dgm:t>
-        <a:bodyPr/>
-        <a:lstStyle/>
-        <a:p>
-          <a:r>
-            <a:rPr lang="en-US" dirty="0" smtClean="0"/>
-            <a:t>Train Frozen Model</a:t>
-          </a:r>
-          <a:endParaRPr lang="en-US" dirty="0"/>
-        </a:p>
-      </dgm:t>
-    </dgm:pt>
-    <dgm:pt modelId="{0426C958-3308-4AE5-8257-6BD8505EEA9B}" type="parTrans" cxnId="{43536FCA-04E2-4E3A-B603-0AB249BD09F8}">
-      <dgm:prSet/>
-      <dgm:spPr/>
-      <dgm:t>
-        <a:bodyPr/>
-        <a:lstStyle/>
-        <a:p>
-          <a:endParaRPr lang="en-US"/>
-        </a:p>
-      </dgm:t>
-    </dgm:pt>
-    <dgm:pt modelId="{1452CB6C-F661-4787-84D5-D1E58F202621}" type="sibTrans" cxnId="{43536FCA-04E2-4E3A-B603-0AB249BD09F8}">
-      <dgm:prSet/>
-      <dgm:spPr/>
-      <dgm:t>
-        <a:bodyPr/>
-        <a:lstStyle/>
-        <a:p>
-          <a:endParaRPr lang="en-US"/>
-        </a:p>
-      </dgm:t>
-    </dgm:pt>
     <dgm:pt modelId="{AC87F5C2-6F60-4845-97CE-B88239C0DEAD}">
       <dgm:prSet phldrT="[Text]"/>
       <dgm:spPr/>
@@ -1062,7 +1030,11 @@
         <a:p>
           <a:r>
             <a:rPr lang="en-US" dirty="0" smtClean="0"/>
-            <a:t>Unfreeze &amp; Train Model</a:t>
+            <a:t>Fully Train </a:t>
+          </a:r>
+          <a:r>
+            <a:rPr lang="en-US" dirty="0" smtClean="0"/>
+            <a:t>Model</a:t>
           </a:r>
           <a:endParaRPr lang="en-US" dirty="0"/>
         </a:p>
@@ -1164,6 +1136,80 @@
         </a:p>
       </dgm:t>
     </dgm:pt>
+    <dgm:pt modelId="{D88675A0-35DC-4684-B323-149B1C3BF3B2}">
+      <dgm:prSet phldrT="[Text]"/>
+      <dgm:spPr/>
+      <dgm:t>
+        <a:bodyPr/>
+        <a:lstStyle/>
+        <a:p>
+          <a:r>
+            <a:rPr lang="en-US" dirty="0" smtClean="0"/>
+            <a:t>Ensemble Model</a:t>
+          </a:r>
+          <a:endParaRPr lang="en-US" dirty="0"/>
+        </a:p>
+      </dgm:t>
+    </dgm:pt>
+    <dgm:pt modelId="{FF8F2EC4-56D4-475D-84E2-A676C639208E}" type="parTrans" cxnId="{560DB531-5782-4DBB-87FF-5C8D6F3594FA}">
+      <dgm:prSet/>
+      <dgm:spPr/>
+      <dgm:t>
+        <a:bodyPr/>
+        <a:lstStyle/>
+        <a:p>
+          <a:endParaRPr lang="en-US"/>
+        </a:p>
+      </dgm:t>
+    </dgm:pt>
+    <dgm:pt modelId="{E80DEF77-4CA6-4A75-9874-0499BD53AE90}" type="sibTrans" cxnId="{560DB531-5782-4DBB-87FF-5C8D6F3594FA}">
+      <dgm:prSet/>
+      <dgm:spPr/>
+      <dgm:t>
+        <a:bodyPr/>
+        <a:lstStyle/>
+        <a:p>
+          <a:endParaRPr lang="en-US"/>
+        </a:p>
+      </dgm:t>
+    </dgm:pt>
+    <dgm:pt modelId="{2EDF3093-2A22-46E7-B9A8-CDFAD206ADF3}">
+      <dgm:prSet phldrT="[Text]"/>
+      <dgm:spPr/>
+      <dgm:t>
+        <a:bodyPr/>
+        <a:lstStyle/>
+        <a:p>
+          <a:r>
+            <a:rPr lang="en-US" dirty="0" smtClean="0"/>
+            <a:t>Inference on IOT Device</a:t>
+          </a:r>
+          <a:endParaRPr lang="en-US" dirty="0"/>
+        </a:p>
+      </dgm:t>
+    </dgm:pt>
+    <dgm:pt modelId="{67961693-9C31-489F-B01A-11867108579C}" type="parTrans" cxnId="{3FFFF013-FABD-45A6-8728-E0F63F33DD00}">
+      <dgm:prSet/>
+      <dgm:spPr/>
+      <dgm:t>
+        <a:bodyPr/>
+        <a:lstStyle/>
+        <a:p>
+          <a:endParaRPr lang="en-US"/>
+        </a:p>
+      </dgm:t>
+    </dgm:pt>
+    <dgm:pt modelId="{A2F8F50B-951E-46FF-867F-54478ADD1C6C}" type="sibTrans" cxnId="{3FFFF013-FABD-45A6-8728-E0F63F33DD00}">
+      <dgm:prSet/>
+      <dgm:spPr/>
+      <dgm:t>
+        <a:bodyPr/>
+        <a:lstStyle/>
+        <a:p>
+          <a:endParaRPr lang="en-US"/>
+        </a:p>
+      </dgm:t>
+    </dgm:pt>
     <dgm:pt modelId="{04E0E73B-74EF-49DE-B506-587643F32E64}" type="pres">
       <dgm:prSet presAssocID="{A513047B-162C-4491-8CA7-2F2152CF32B9}" presName="Name0" presStyleCnt="0">
         <dgm:presLayoutVars>
@@ -1172,6 +1218,13 @@
         </dgm:presLayoutVars>
       </dgm:prSet>
       <dgm:spPr/>
+      <dgm:t>
+        <a:bodyPr/>
+        <a:lstStyle/>
+        <a:p>
+          <a:endParaRPr lang="en-US"/>
+        </a:p>
+      </dgm:t>
     </dgm:pt>
     <dgm:pt modelId="{A4CDDC04-0983-44CC-8263-A47EC607FA9A}" type="pres">
       <dgm:prSet presAssocID="{41AD5A33-EFED-4176-B159-88D484C30550}" presName="compNode" presStyleCnt="0"/>
@@ -1182,16 +1235,30 @@
       <dgm:spPr/>
     </dgm:pt>
     <dgm:pt modelId="{B6F9B4F2-EE4D-4AF3-A118-E9853F7E8D0B}" type="pres">
-      <dgm:prSet presAssocID="{41AD5A33-EFED-4176-B159-88D484C30550}" presName="node" presStyleLbl="node1" presStyleIdx="0" presStyleCnt="8">
+      <dgm:prSet presAssocID="{41AD5A33-EFED-4176-B159-88D484C30550}" presName="node" presStyleLbl="node1" presStyleIdx="0" presStyleCnt="9">
         <dgm:presLayoutVars>
           <dgm:bulletEnabled val="1"/>
         </dgm:presLayoutVars>
       </dgm:prSet>
       <dgm:spPr/>
+      <dgm:t>
+        <a:bodyPr/>
+        <a:lstStyle/>
+        <a:p>
+          <a:endParaRPr lang="en-US"/>
+        </a:p>
+      </dgm:t>
     </dgm:pt>
     <dgm:pt modelId="{BCF37308-1F9E-4697-8914-C9BE9804DD91}" type="pres">
-      <dgm:prSet presAssocID="{D9696ABD-3599-48AA-BAC7-14536FA46954}" presName="sibTrans" presStyleLbl="bgSibTrans2D1" presStyleIdx="0" presStyleCnt="7"/>
+      <dgm:prSet presAssocID="{D9696ABD-3599-48AA-BAC7-14536FA46954}" presName="sibTrans" presStyleLbl="bgSibTrans2D1" presStyleIdx="0" presStyleCnt="8"/>
       <dgm:spPr/>
+      <dgm:t>
+        <a:bodyPr/>
+        <a:lstStyle/>
+        <a:p>
+          <a:endParaRPr lang="en-US"/>
+        </a:p>
+      </dgm:t>
     </dgm:pt>
     <dgm:pt modelId="{8BB295D9-84FC-4A2F-9B8A-BA0B8AB6DBF1}" type="pres">
       <dgm:prSet presAssocID="{85B7808E-039C-4C3D-9694-938D7E702E44}" presName="compNode" presStyleCnt="0"/>
@@ -1202,16 +1269,30 @@
       <dgm:spPr/>
     </dgm:pt>
     <dgm:pt modelId="{FAA19208-9093-4783-B0EF-0EFF2719E17C}" type="pres">
-      <dgm:prSet presAssocID="{85B7808E-039C-4C3D-9694-938D7E702E44}" presName="node" presStyleLbl="node1" presStyleIdx="1" presStyleCnt="8">
+      <dgm:prSet presAssocID="{85B7808E-039C-4C3D-9694-938D7E702E44}" presName="node" presStyleLbl="node1" presStyleIdx="1" presStyleCnt="9">
         <dgm:presLayoutVars>
           <dgm:bulletEnabled val="1"/>
         </dgm:presLayoutVars>
       </dgm:prSet>
       <dgm:spPr/>
+      <dgm:t>
+        <a:bodyPr/>
+        <a:lstStyle/>
+        <a:p>
+          <a:endParaRPr lang="en-US"/>
+        </a:p>
+      </dgm:t>
     </dgm:pt>
     <dgm:pt modelId="{435C831C-FC11-4927-8259-98274AD8153C}" type="pres">
-      <dgm:prSet presAssocID="{4C4063B4-C3A1-4674-8485-7962C2C9F449}" presName="sibTrans" presStyleLbl="bgSibTrans2D1" presStyleIdx="1" presStyleCnt="7"/>
+      <dgm:prSet presAssocID="{4C4063B4-C3A1-4674-8485-7962C2C9F449}" presName="sibTrans" presStyleLbl="bgSibTrans2D1" presStyleIdx="1" presStyleCnt="8"/>
       <dgm:spPr/>
+      <dgm:t>
+        <a:bodyPr/>
+        <a:lstStyle/>
+        <a:p>
+          <a:endParaRPr lang="en-US"/>
+        </a:p>
+      </dgm:t>
     </dgm:pt>
     <dgm:pt modelId="{D8A5B7C3-8286-49AD-AB17-B53E97823AE3}" type="pres">
       <dgm:prSet presAssocID="{71098C0F-B9DC-44E0-9A8D-99FA45AD9540}" presName="compNode" presStyleCnt="0"/>
@@ -1222,16 +1303,30 @@
       <dgm:spPr/>
     </dgm:pt>
     <dgm:pt modelId="{05F9A2E2-D374-44E0-97A7-8228248C741A}" type="pres">
-      <dgm:prSet presAssocID="{71098C0F-B9DC-44E0-9A8D-99FA45AD9540}" presName="node" presStyleLbl="node1" presStyleIdx="2" presStyleCnt="8">
+      <dgm:prSet presAssocID="{71098C0F-B9DC-44E0-9A8D-99FA45AD9540}" presName="node" presStyleLbl="node1" presStyleIdx="2" presStyleCnt="9">
         <dgm:presLayoutVars>
           <dgm:bulletEnabled val="1"/>
         </dgm:presLayoutVars>
       </dgm:prSet>
       <dgm:spPr/>
+      <dgm:t>
+        <a:bodyPr/>
+        <a:lstStyle/>
+        <a:p>
+          <a:endParaRPr lang="en-US"/>
+        </a:p>
+      </dgm:t>
     </dgm:pt>
     <dgm:pt modelId="{2D727B0D-6D26-4BE2-BD36-E8CB0ED11107}" type="pres">
-      <dgm:prSet presAssocID="{D3FE520C-ACE2-4AB0-94EA-2108F883AAD8}" presName="sibTrans" presStyleLbl="bgSibTrans2D1" presStyleIdx="2" presStyleCnt="7"/>
+      <dgm:prSet presAssocID="{D3FE520C-ACE2-4AB0-94EA-2108F883AAD8}" presName="sibTrans" presStyleLbl="bgSibTrans2D1" presStyleIdx="2" presStyleCnt="8"/>
       <dgm:spPr/>
+      <dgm:t>
+        <a:bodyPr/>
+        <a:lstStyle/>
+        <a:p>
+          <a:endParaRPr lang="en-US"/>
+        </a:p>
+      </dgm:t>
     </dgm:pt>
     <dgm:pt modelId="{8F532DCA-EE22-4A1F-A782-886A7B0ECED1}" type="pres">
       <dgm:prSet presAssocID="{AFE5C1A3-C1C2-4FD0-9954-842E09047CA1}" presName="compNode" presStyleCnt="0"/>
@@ -1242,16 +1337,30 @@
       <dgm:spPr/>
     </dgm:pt>
     <dgm:pt modelId="{D518CEE8-8EDE-4438-8BFC-19C95B02747D}" type="pres">
-      <dgm:prSet presAssocID="{AFE5C1A3-C1C2-4FD0-9954-842E09047CA1}" presName="node" presStyleLbl="node1" presStyleIdx="3" presStyleCnt="8">
+      <dgm:prSet presAssocID="{AFE5C1A3-C1C2-4FD0-9954-842E09047CA1}" presName="node" presStyleLbl="node1" presStyleIdx="3" presStyleCnt="9">
         <dgm:presLayoutVars>
           <dgm:bulletEnabled val="1"/>
         </dgm:presLayoutVars>
       </dgm:prSet>
       <dgm:spPr/>
+      <dgm:t>
+        <a:bodyPr/>
+        <a:lstStyle/>
+        <a:p>
+          <a:endParaRPr lang="en-US"/>
+        </a:p>
+      </dgm:t>
     </dgm:pt>
     <dgm:pt modelId="{CDA2096B-1831-4D8A-90FB-9F96B84447EE}" type="pres">
-      <dgm:prSet presAssocID="{BB520CB6-9652-4DAE-89EB-2B83DD8596D7}" presName="sibTrans" presStyleLbl="bgSibTrans2D1" presStyleIdx="3" presStyleCnt="7"/>
+      <dgm:prSet presAssocID="{BB520CB6-9652-4DAE-89EB-2B83DD8596D7}" presName="sibTrans" presStyleLbl="bgSibTrans2D1" presStyleIdx="3" presStyleCnt="8"/>
       <dgm:spPr/>
+      <dgm:t>
+        <a:bodyPr/>
+        <a:lstStyle/>
+        <a:p>
+          <a:endParaRPr lang="en-US"/>
+        </a:p>
+      </dgm:t>
     </dgm:pt>
     <dgm:pt modelId="{F220036D-0FF8-40C6-B1A2-C85542766602}" type="pres">
       <dgm:prSet presAssocID="{DE255671-11F8-421E-881A-7D5A9B5D1CF5}" presName="compNode" presStyleCnt="0"/>
@@ -1262,7 +1371,7 @@
       <dgm:spPr/>
     </dgm:pt>
     <dgm:pt modelId="{4C41FDEC-BED6-4E32-A4B9-492B968182ED}" type="pres">
-      <dgm:prSet presAssocID="{DE255671-11F8-421E-881A-7D5A9B5D1CF5}" presName="node" presStyleLbl="node1" presStyleIdx="4" presStyleCnt="8">
+      <dgm:prSet presAssocID="{DE255671-11F8-421E-881A-7D5A9B5D1CF5}" presName="node" presStyleLbl="node1" presStyleIdx="4" presStyleCnt="9">
         <dgm:presLayoutVars>
           <dgm:bulletEnabled val="1"/>
         </dgm:presLayoutVars>
@@ -1277,8 +1386,15 @@
       </dgm:t>
     </dgm:pt>
     <dgm:pt modelId="{FB11C6F7-CF1D-46F1-B9F4-CC1B1DF00518}" type="pres">
-      <dgm:prSet presAssocID="{2D593D75-1A78-4232-8E19-30F649973248}" presName="sibTrans" presStyleLbl="bgSibTrans2D1" presStyleIdx="4" presStyleCnt="7"/>
+      <dgm:prSet presAssocID="{2D593D75-1A78-4232-8E19-30F649973248}" presName="sibTrans" presStyleLbl="bgSibTrans2D1" presStyleIdx="4" presStyleCnt="8"/>
       <dgm:spPr/>
+      <dgm:t>
+        <a:bodyPr/>
+        <a:lstStyle/>
+        <a:p>
+          <a:endParaRPr lang="en-US"/>
+        </a:p>
+      </dgm:t>
     </dgm:pt>
     <dgm:pt modelId="{056A8118-62DA-491B-B8B2-54266A3F3FFB}" type="pres">
       <dgm:prSet presAssocID="{32C90FCB-2EDD-407E-8912-0A9F58C8D5E1}" presName="compNode" presStyleCnt="0"/>
@@ -1289,7 +1405,7 @@
       <dgm:spPr/>
     </dgm:pt>
     <dgm:pt modelId="{674C8745-74F4-4B79-8FFE-821080F4CA62}" type="pres">
-      <dgm:prSet presAssocID="{32C90FCB-2EDD-407E-8912-0A9F58C8D5E1}" presName="node" presStyleLbl="node1" presStyleIdx="5" presStyleCnt="8">
+      <dgm:prSet presAssocID="{32C90FCB-2EDD-407E-8912-0A9F58C8D5E1}" presName="node" presStyleLbl="node1" presStyleIdx="5" presStyleCnt="9">
         <dgm:presLayoutVars>
           <dgm:bulletEnabled val="1"/>
         </dgm:presLayoutVars>
@@ -1304,28 +1420,15 @@
       </dgm:t>
     </dgm:pt>
     <dgm:pt modelId="{1BB7EB47-91DD-4C34-B080-7598A411B30A}" type="pres">
-      <dgm:prSet presAssocID="{DAD87C81-3150-42FB-99EB-D6356A0AA682}" presName="sibTrans" presStyleLbl="bgSibTrans2D1" presStyleIdx="5" presStyleCnt="7"/>
+      <dgm:prSet presAssocID="{DAD87C81-3150-42FB-99EB-D6356A0AA682}" presName="sibTrans" presStyleLbl="bgSibTrans2D1" presStyleIdx="5" presStyleCnt="8"/>
       <dgm:spPr/>
-    </dgm:pt>
-    <dgm:pt modelId="{0A45A5B2-E759-43C5-A01F-808135F82582}" type="pres">
-      <dgm:prSet presAssocID="{64A7D7B9-5652-48AA-BF4A-D0811877CB0D}" presName="compNode" presStyleCnt="0"/>
-      <dgm:spPr/>
-    </dgm:pt>
-    <dgm:pt modelId="{A6BA74EB-0932-41BB-BCDE-78C8CD34FDC7}" type="pres">
-      <dgm:prSet presAssocID="{64A7D7B9-5652-48AA-BF4A-D0811877CB0D}" presName="dummyConnPt" presStyleCnt="0"/>
-      <dgm:spPr/>
-    </dgm:pt>
-    <dgm:pt modelId="{9D00C179-79DE-443E-886B-C417ED660FBA}" type="pres">
-      <dgm:prSet presAssocID="{64A7D7B9-5652-48AA-BF4A-D0811877CB0D}" presName="node" presStyleLbl="node1" presStyleIdx="6" presStyleCnt="8">
-        <dgm:presLayoutVars>
-          <dgm:bulletEnabled val="1"/>
-        </dgm:presLayoutVars>
-      </dgm:prSet>
-      <dgm:spPr/>
-    </dgm:pt>
-    <dgm:pt modelId="{38E70E8A-AD03-46D3-A839-CA495F8E7D75}" type="pres">
-      <dgm:prSet presAssocID="{1452CB6C-F661-4787-84D5-D1E58F202621}" presName="sibTrans" presStyleLbl="bgSibTrans2D1" presStyleIdx="6" presStyleCnt="7"/>
-      <dgm:spPr/>
+      <dgm:t>
+        <a:bodyPr/>
+        <a:lstStyle/>
+        <a:p>
+          <a:endParaRPr lang="en-US"/>
+        </a:p>
+      </dgm:t>
     </dgm:pt>
     <dgm:pt modelId="{C7949799-31F5-4861-97DF-D51A3985A1FB}" type="pres">
       <dgm:prSet presAssocID="{AC87F5C2-6F60-4845-97CE-B88239C0DEAD}" presName="compNode" presStyleCnt="0"/>
@@ -1336,37 +1439,108 @@
       <dgm:spPr/>
     </dgm:pt>
     <dgm:pt modelId="{85A68784-F5E1-4383-9ACB-51FAE4E0EA78}" type="pres">
-      <dgm:prSet presAssocID="{AC87F5C2-6F60-4845-97CE-B88239C0DEAD}" presName="node" presStyleLbl="node1" presStyleIdx="7" presStyleCnt="8">
+      <dgm:prSet presAssocID="{AC87F5C2-6F60-4845-97CE-B88239C0DEAD}" presName="node" presStyleLbl="node1" presStyleIdx="6" presStyleCnt="9">
         <dgm:presLayoutVars>
           <dgm:bulletEnabled val="1"/>
         </dgm:presLayoutVars>
       </dgm:prSet>
       <dgm:spPr/>
+      <dgm:t>
+        <a:bodyPr/>
+        <a:lstStyle/>
+        <a:p>
+          <a:endParaRPr lang="en-US"/>
+        </a:p>
+      </dgm:t>
+    </dgm:pt>
+    <dgm:pt modelId="{11BA8D5B-F4DA-42D0-A43A-6BD1C3D3059C}" type="pres">
+      <dgm:prSet presAssocID="{FD031DDC-4574-4859-9F55-7D9AA5A9D016}" presName="sibTrans" presStyleLbl="bgSibTrans2D1" presStyleIdx="6" presStyleCnt="8"/>
+      <dgm:spPr/>
+      <dgm:t>
+        <a:bodyPr/>
+        <a:lstStyle/>
+        <a:p>
+          <a:endParaRPr lang="en-US"/>
+        </a:p>
+      </dgm:t>
+    </dgm:pt>
+    <dgm:pt modelId="{5D915E4A-172A-4679-8F7C-37EE89DAC808}" type="pres">
+      <dgm:prSet presAssocID="{D88675A0-35DC-4684-B323-149B1C3BF3B2}" presName="compNode" presStyleCnt="0"/>
+      <dgm:spPr/>
+    </dgm:pt>
+    <dgm:pt modelId="{D3C5CE7C-7D69-4316-9FE0-3E1E3D772A4D}" type="pres">
+      <dgm:prSet presAssocID="{D88675A0-35DC-4684-B323-149B1C3BF3B2}" presName="dummyConnPt" presStyleCnt="0"/>
+      <dgm:spPr/>
+    </dgm:pt>
+    <dgm:pt modelId="{1FF096CE-90BE-4B06-B243-4DF8B6460664}" type="pres">
+      <dgm:prSet presAssocID="{D88675A0-35DC-4684-B323-149B1C3BF3B2}" presName="node" presStyleLbl="node1" presStyleIdx="7" presStyleCnt="9">
+        <dgm:presLayoutVars>
+          <dgm:bulletEnabled val="1"/>
+        </dgm:presLayoutVars>
+      </dgm:prSet>
+      <dgm:spPr/>
+      <dgm:t>
+        <a:bodyPr/>
+        <a:lstStyle/>
+        <a:p>
+          <a:endParaRPr lang="en-US"/>
+        </a:p>
+      </dgm:t>
+    </dgm:pt>
+    <dgm:pt modelId="{873C41DF-4DE9-48B9-9A6F-9BB78DBC7966}" type="pres">
+      <dgm:prSet presAssocID="{E80DEF77-4CA6-4A75-9874-0499BD53AE90}" presName="sibTrans" presStyleLbl="bgSibTrans2D1" presStyleIdx="7" presStyleCnt="8"/>
+      <dgm:spPr/>
+    </dgm:pt>
+    <dgm:pt modelId="{09AF5D04-E0E6-4A3A-875D-414B589D9BE4}" type="pres">
+      <dgm:prSet presAssocID="{2EDF3093-2A22-46E7-B9A8-CDFAD206ADF3}" presName="compNode" presStyleCnt="0"/>
+      <dgm:spPr/>
+    </dgm:pt>
+    <dgm:pt modelId="{894C3B35-4F92-4C56-8D32-E96236824FEF}" type="pres">
+      <dgm:prSet presAssocID="{2EDF3093-2A22-46E7-B9A8-CDFAD206ADF3}" presName="dummyConnPt" presStyleCnt="0"/>
+      <dgm:spPr/>
+    </dgm:pt>
+    <dgm:pt modelId="{7317B667-5BCA-4F94-9144-DA80ADC07EB5}" type="pres">
+      <dgm:prSet presAssocID="{2EDF3093-2A22-46E7-B9A8-CDFAD206ADF3}" presName="node" presStyleLbl="node1" presStyleIdx="8" presStyleCnt="9">
+        <dgm:presLayoutVars>
+          <dgm:bulletEnabled val="1"/>
+        </dgm:presLayoutVars>
+      </dgm:prSet>
+      <dgm:spPr/>
+      <dgm:t>
+        <a:bodyPr/>
+        <a:lstStyle/>
+        <a:p>
+          <a:endParaRPr lang="en-US"/>
+        </a:p>
+      </dgm:t>
     </dgm:pt>
   </dgm:ptLst>
   <dgm:cxnLst>
     <dgm:cxn modelId="{52E5AB9C-2FA8-4598-941F-04DF47DD1AEE}" srcId="{A513047B-162C-4491-8CA7-2F2152CF32B9}" destId="{AFE5C1A3-C1C2-4FD0-9954-842E09047CA1}" srcOrd="3" destOrd="0" parTransId="{D51ADDED-21F2-473B-9246-5EEF2588997A}" sibTransId="{BB520CB6-9652-4DAE-89EB-2B83DD8596D7}"/>
-    <dgm:cxn modelId="{DF13B10F-2768-4305-97C4-27320C02FA2D}" srcId="{A513047B-162C-4491-8CA7-2F2152CF32B9}" destId="{AC87F5C2-6F60-4845-97CE-B88239C0DEAD}" srcOrd="7" destOrd="0" parTransId="{23D2044E-4EEE-4496-A5F3-8D10A8CE2121}" sibTransId="{FD031DDC-4574-4859-9F55-7D9AA5A9D016}"/>
+    <dgm:cxn modelId="{5A79BB56-28B2-4279-A7C7-E05ACB03E974}" type="presOf" srcId="{FD031DDC-4574-4859-9F55-7D9AA5A9D016}" destId="{11BA8D5B-F4DA-42D0-A43A-6BD1C3D3059C}" srcOrd="0" destOrd="0" presId="urn:microsoft.com/office/officeart/2005/8/layout/bProcess4"/>
+    <dgm:cxn modelId="{3FFFF013-FABD-45A6-8728-E0F63F33DD00}" srcId="{A513047B-162C-4491-8CA7-2F2152CF32B9}" destId="{2EDF3093-2A22-46E7-B9A8-CDFAD206ADF3}" srcOrd="8" destOrd="0" parTransId="{67961693-9C31-489F-B01A-11867108579C}" sibTransId="{A2F8F50B-951E-46FF-867F-54478ADD1C6C}"/>
+    <dgm:cxn modelId="{DF13B10F-2768-4305-97C4-27320C02FA2D}" srcId="{A513047B-162C-4491-8CA7-2F2152CF32B9}" destId="{AC87F5C2-6F60-4845-97CE-B88239C0DEAD}" srcOrd="6" destOrd="0" parTransId="{23D2044E-4EEE-4496-A5F3-8D10A8CE2121}" sibTransId="{FD031DDC-4574-4859-9F55-7D9AA5A9D016}"/>
     <dgm:cxn modelId="{F01CB01B-F849-4CCD-9E91-5480362CB4E9}" srcId="{A513047B-162C-4491-8CA7-2F2152CF32B9}" destId="{71098C0F-B9DC-44E0-9A8D-99FA45AD9540}" srcOrd="2" destOrd="0" parTransId="{21813B5A-BC99-4565-A258-4B7B3B4B39C6}" sibTransId="{D3FE520C-ACE2-4AB0-94EA-2108F883AAD8}"/>
+    <dgm:cxn modelId="{6EE50063-46FA-4948-952D-A08080E9794E}" type="presOf" srcId="{2D593D75-1A78-4232-8E19-30F649973248}" destId="{FB11C6F7-CF1D-46F1-B9F4-CC1B1DF00518}" srcOrd="0" destOrd="0" presId="urn:microsoft.com/office/officeart/2005/8/layout/bProcess4"/>
     <dgm:cxn modelId="{4AA1A1E4-2F89-4B93-A583-1381E049FA39}" type="presOf" srcId="{4C4063B4-C3A1-4674-8485-7962C2C9F449}" destId="{435C831C-FC11-4927-8259-98274AD8153C}" srcOrd="0" destOrd="0" presId="urn:microsoft.com/office/officeart/2005/8/layout/bProcess4"/>
-    <dgm:cxn modelId="{6EE50063-46FA-4948-952D-A08080E9794E}" type="presOf" srcId="{2D593D75-1A78-4232-8E19-30F649973248}" destId="{FB11C6F7-CF1D-46F1-B9F4-CC1B1DF00518}" srcOrd="0" destOrd="0" presId="urn:microsoft.com/office/officeart/2005/8/layout/bProcess4"/>
-    <dgm:cxn modelId="{2E8063D0-48BE-4A99-874E-73B083EF763B}" type="presOf" srcId="{1452CB6C-F661-4787-84D5-D1E58F202621}" destId="{38E70E8A-AD03-46D3-A839-CA495F8E7D75}" srcOrd="0" destOrd="0" presId="urn:microsoft.com/office/officeart/2005/8/layout/bProcess4"/>
     <dgm:cxn modelId="{15CEC6EF-D2AB-47C7-B4CC-7467860A6834}" type="presOf" srcId="{DAD87C81-3150-42FB-99EB-D6356A0AA682}" destId="{1BB7EB47-91DD-4C34-B080-7598A411B30A}" srcOrd="0" destOrd="0" presId="urn:microsoft.com/office/officeart/2005/8/layout/bProcess4"/>
     <dgm:cxn modelId="{7AE35C26-2114-4FA7-AFE5-B4687DF1CEE2}" type="presOf" srcId="{32C90FCB-2EDD-407E-8912-0A9F58C8D5E1}" destId="{674C8745-74F4-4B79-8FFE-821080F4CA62}" srcOrd="0" destOrd="0" presId="urn:microsoft.com/office/officeart/2005/8/layout/bProcess4"/>
+    <dgm:cxn modelId="{560DB531-5782-4DBB-87FF-5C8D6F3594FA}" srcId="{A513047B-162C-4491-8CA7-2F2152CF32B9}" destId="{D88675A0-35DC-4684-B323-149B1C3BF3B2}" srcOrd="7" destOrd="0" parTransId="{FF8F2EC4-56D4-475D-84E2-A676C639208E}" sibTransId="{E80DEF77-4CA6-4A75-9874-0499BD53AE90}"/>
     <dgm:cxn modelId="{B13EEDBF-D186-4BD9-9061-709C2476CFC3}" srcId="{A513047B-162C-4491-8CA7-2F2152CF32B9}" destId="{32C90FCB-2EDD-407E-8912-0A9F58C8D5E1}" srcOrd="5" destOrd="0" parTransId="{8637958C-5803-4A18-9995-50CD2198BC72}" sibTransId="{DAD87C81-3150-42FB-99EB-D6356A0AA682}"/>
     <dgm:cxn modelId="{CF28F25B-7782-482F-B3A5-AFC4F80BD007}" srcId="{A513047B-162C-4491-8CA7-2F2152CF32B9}" destId="{DE255671-11F8-421E-881A-7D5A9B5D1CF5}" srcOrd="4" destOrd="0" parTransId="{92E4BF26-6918-42FB-8A41-CBA1498C857C}" sibTransId="{2D593D75-1A78-4232-8E19-30F649973248}"/>
+    <dgm:cxn modelId="{BCE4C128-4E92-4B0B-BA0B-3F760A015553}" type="presOf" srcId="{E80DEF77-4CA6-4A75-9874-0499BD53AE90}" destId="{873C41DF-4DE9-48B9-9A6F-9BB78DBC7966}" srcOrd="0" destOrd="0" presId="urn:microsoft.com/office/officeart/2005/8/layout/bProcess4"/>
+    <dgm:cxn modelId="{6691863E-E91F-4B25-AF04-6FE617107B90}" type="presOf" srcId="{D88675A0-35DC-4684-B323-149B1C3BF3B2}" destId="{1FF096CE-90BE-4B06-B243-4DF8B6460664}" srcOrd="0" destOrd="0" presId="urn:microsoft.com/office/officeart/2005/8/layout/bProcess4"/>
     <dgm:cxn modelId="{14174257-1EDF-4803-A9DA-CB7F5CF35097}" type="presOf" srcId="{D9696ABD-3599-48AA-BAC7-14536FA46954}" destId="{BCF37308-1F9E-4697-8914-C9BE9804DD91}" srcOrd="0" destOrd="0" presId="urn:microsoft.com/office/officeart/2005/8/layout/bProcess4"/>
     <dgm:cxn modelId="{890F44E6-7082-4612-9613-AC3BAFD7E99C}" type="presOf" srcId="{41AD5A33-EFED-4176-B159-88D484C30550}" destId="{B6F9B4F2-EE4D-4AF3-A118-E9853F7E8D0B}" srcOrd="0" destOrd="0" presId="urn:microsoft.com/office/officeart/2005/8/layout/bProcess4"/>
     <dgm:cxn modelId="{2931A6EC-6898-46B2-879D-716E0D2D5E8B}" type="presOf" srcId="{85B7808E-039C-4C3D-9694-938D7E702E44}" destId="{FAA19208-9093-4783-B0EF-0EFF2719E17C}" srcOrd="0" destOrd="0" presId="urn:microsoft.com/office/officeart/2005/8/layout/bProcess4"/>
     <dgm:cxn modelId="{014BE4FB-A763-4885-8E59-31751A8A77B4}" type="presOf" srcId="{AFE5C1A3-C1C2-4FD0-9954-842E09047CA1}" destId="{D518CEE8-8EDE-4438-8BFC-19C95B02747D}" srcOrd="0" destOrd="0" presId="urn:microsoft.com/office/officeart/2005/8/layout/bProcess4"/>
     <dgm:cxn modelId="{2DBEA534-4EEB-4A87-95ED-480EAC6A31CC}" type="presOf" srcId="{BB520CB6-9652-4DAE-89EB-2B83DD8596D7}" destId="{CDA2096B-1831-4D8A-90FB-9F96B84447EE}" srcOrd="0" destOrd="0" presId="urn:microsoft.com/office/officeart/2005/8/layout/bProcess4"/>
     <dgm:cxn modelId="{AB996F54-2593-4072-B0EE-003A0EBB2438}" srcId="{A513047B-162C-4491-8CA7-2F2152CF32B9}" destId="{85B7808E-039C-4C3D-9694-938D7E702E44}" srcOrd="1" destOrd="0" parTransId="{19867A61-79B7-4429-B1CB-2B432CFAABFF}" sibTransId="{4C4063B4-C3A1-4674-8485-7962C2C9F449}"/>
-    <dgm:cxn modelId="{EACC78F0-35AB-489E-ABD2-60FCC72AA6F1}" type="presOf" srcId="{64A7D7B9-5652-48AA-BF4A-D0811877CB0D}" destId="{9D00C179-79DE-443E-886B-C417ED660FBA}" srcOrd="0" destOrd="0" presId="urn:microsoft.com/office/officeart/2005/8/layout/bProcess4"/>
     <dgm:cxn modelId="{1E3B5999-182C-45D7-92C9-1AE5751329DC}" type="presOf" srcId="{AC87F5C2-6F60-4845-97CE-B88239C0DEAD}" destId="{85A68784-F5E1-4383-9ACB-51FAE4E0EA78}" srcOrd="0" destOrd="0" presId="urn:microsoft.com/office/officeart/2005/8/layout/bProcess4"/>
-    <dgm:cxn modelId="{43536FCA-04E2-4E3A-B603-0AB249BD09F8}" srcId="{A513047B-162C-4491-8CA7-2F2152CF32B9}" destId="{64A7D7B9-5652-48AA-BF4A-D0811877CB0D}" srcOrd="6" destOrd="0" parTransId="{0426C958-3308-4AE5-8257-6BD8505EEA9B}" sibTransId="{1452CB6C-F661-4787-84D5-D1E58F202621}"/>
     <dgm:cxn modelId="{D9E28574-8035-40C1-ABEC-A787D8B33101}" srcId="{A513047B-162C-4491-8CA7-2F2152CF32B9}" destId="{41AD5A33-EFED-4176-B159-88D484C30550}" srcOrd="0" destOrd="0" parTransId="{9B5F0EBA-D255-4603-A6EF-F014AE0EC192}" sibTransId="{D9696ABD-3599-48AA-BAC7-14536FA46954}"/>
     <dgm:cxn modelId="{C2826718-19A6-4874-9E97-46BB8A4F0761}" type="presOf" srcId="{71098C0F-B9DC-44E0-9A8D-99FA45AD9540}" destId="{05F9A2E2-D374-44E0-97A7-8228248C741A}" srcOrd="0" destOrd="0" presId="urn:microsoft.com/office/officeart/2005/8/layout/bProcess4"/>
     <dgm:cxn modelId="{AB900BBE-3D0A-45D6-9C52-4BA508EBCDAA}" type="presOf" srcId="{DE255671-11F8-421E-881A-7D5A9B5D1CF5}" destId="{4C41FDEC-BED6-4E32-A4B9-492B968182ED}" srcOrd="0" destOrd="0" presId="urn:microsoft.com/office/officeart/2005/8/layout/bProcess4"/>
+    <dgm:cxn modelId="{1EEF7001-3416-48BB-AEE3-13FD6745CB61}" type="presOf" srcId="{2EDF3093-2A22-46E7-B9A8-CDFAD206ADF3}" destId="{7317B667-5BCA-4F94-9144-DA80ADC07EB5}" srcOrd="0" destOrd="0" presId="urn:microsoft.com/office/officeart/2005/8/layout/bProcess4"/>
     <dgm:cxn modelId="{AD9822D4-8F22-4B00-8B4C-2853198246C1}" type="presOf" srcId="{D3FE520C-ACE2-4AB0-94EA-2108F883AAD8}" destId="{2D727B0D-6D26-4BE2-BD36-E8CB0ED11107}" srcOrd="0" destOrd="0" presId="urn:microsoft.com/office/officeart/2005/8/layout/bProcess4"/>
     <dgm:cxn modelId="{BEBCEC32-EC3F-4270-A2DB-565947692618}" type="presOf" srcId="{A513047B-162C-4491-8CA7-2F2152CF32B9}" destId="{04E0E73B-74EF-49DE-B506-587643F32E64}" srcOrd="0" destOrd="0" presId="urn:microsoft.com/office/officeart/2005/8/layout/bProcess4"/>
     <dgm:cxn modelId="{BF4377C0-4C05-40D1-A4EF-872BDC111836}" type="presParOf" srcId="{04E0E73B-74EF-49DE-B506-587643F32E64}" destId="{A4CDDC04-0983-44CC-8263-A47EC607FA9A}" srcOrd="0" destOrd="0" presId="urn:microsoft.com/office/officeart/2005/8/layout/bProcess4"/>
@@ -1393,13 +1567,17 @@
     <dgm:cxn modelId="{37422C55-C63B-4EA2-9B29-224789CFD64F}" type="presParOf" srcId="{056A8118-62DA-491B-B8B2-54266A3F3FFB}" destId="{C0335812-890B-42AB-88AD-CB17D05AE1E7}" srcOrd="0" destOrd="0" presId="urn:microsoft.com/office/officeart/2005/8/layout/bProcess4"/>
     <dgm:cxn modelId="{B83AD4FD-09D9-4C07-A6AA-52A89640FF4D}" type="presParOf" srcId="{056A8118-62DA-491B-B8B2-54266A3F3FFB}" destId="{674C8745-74F4-4B79-8FFE-821080F4CA62}" srcOrd="1" destOrd="0" presId="urn:microsoft.com/office/officeart/2005/8/layout/bProcess4"/>
     <dgm:cxn modelId="{738E9442-81B1-4FA3-9384-158AFA0A283E}" type="presParOf" srcId="{04E0E73B-74EF-49DE-B506-587643F32E64}" destId="{1BB7EB47-91DD-4C34-B080-7598A411B30A}" srcOrd="11" destOrd="0" presId="urn:microsoft.com/office/officeart/2005/8/layout/bProcess4"/>
-    <dgm:cxn modelId="{A906BD1D-CFD6-42A9-87EA-209607E61538}" type="presParOf" srcId="{04E0E73B-74EF-49DE-B506-587643F32E64}" destId="{0A45A5B2-E759-43C5-A01F-808135F82582}" srcOrd="12" destOrd="0" presId="urn:microsoft.com/office/officeart/2005/8/layout/bProcess4"/>
-    <dgm:cxn modelId="{92EFD98F-CAC1-4A64-97E4-E5A719F554D6}" type="presParOf" srcId="{0A45A5B2-E759-43C5-A01F-808135F82582}" destId="{A6BA74EB-0932-41BB-BCDE-78C8CD34FDC7}" srcOrd="0" destOrd="0" presId="urn:microsoft.com/office/officeart/2005/8/layout/bProcess4"/>
-    <dgm:cxn modelId="{19582DE2-BF55-4056-B9F4-69191F92BFBE}" type="presParOf" srcId="{0A45A5B2-E759-43C5-A01F-808135F82582}" destId="{9D00C179-79DE-443E-886B-C417ED660FBA}" srcOrd="1" destOrd="0" presId="urn:microsoft.com/office/officeart/2005/8/layout/bProcess4"/>
-    <dgm:cxn modelId="{A9B15E6B-8780-4797-8E9B-4C6A5C86A846}" type="presParOf" srcId="{04E0E73B-74EF-49DE-B506-587643F32E64}" destId="{38E70E8A-AD03-46D3-A839-CA495F8E7D75}" srcOrd="13" destOrd="0" presId="urn:microsoft.com/office/officeart/2005/8/layout/bProcess4"/>
-    <dgm:cxn modelId="{E4915D07-F95C-4B90-88C7-3E0AD9877D95}" type="presParOf" srcId="{04E0E73B-74EF-49DE-B506-587643F32E64}" destId="{C7949799-31F5-4861-97DF-D51A3985A1FB}" srcOrd="14" destOrd="0" presId="urn:microsoft.com/office/officeart/2005/8/layout/bProcess4"/>
+    <dgm:cxn modelId="{E4915D07-F95C-4B90-88C7-3E0AD9877D95}" type="presParOf" srcId="{04E0E73B-74EF-49DE-B506-587643F32E64}" destId="{C7949799-31F5-4861-97DF-D51A3985A1FB}" srcOrd="12" destOrd="0" presId="urn:microsoft.com/office/officeart/2005/8/layout/bProcess4"/>
     <dgm:cxn modelId="{224790D2-85E8-4B7B-B6A1-F665D64E0EB7}" type="presParOf" srcId="{C7949799-31F5-4861-97DF-D51A3985A1FB}" destId="{A2B67ADE-D84E-45F3-84FB-E7B4CA667B7B}" srcOrd="0" destOrd="0" presId="urn:microsoft.com/office/officeart/2005/8/layout/bProcess4"/>
     <dgm:cxn modelId="{ACAA8424-D9F5-429C-99D7-98D679F017FF}" type="presParOf" srcId="{C7949799-31F5-4861-97DF-D51A3985A1FB}" destId="{85A68784-F5E1-4383-9ACB-51FAE4E0EA78}" srcOrd="1" destOrd="0" presId="urn:microsoft.com/office/officeart/2005/8/layout/bProcess4"/>
+    <dgm:cxn modelId="{DC24E2C4-E7B1-47B0-9FC9-8E5FA26C3014}" type="presParOf" srcId="{04E0E73B-74EF-49DE-B506-587643F32E64}" destId="{11BA8D5B-F4DA-42D0-A43A-6BD1C3D3059C}" srcOrd="13" destOrd="0" presId="urn:microsoft.com/office/officeart/2005/8/layout/bProcess4"/>
+    <dgm:cxn modelId="{6CB56B6F-AB89-40C0-B0F2-4327F1D5C8B7}" type="presParOf" srcId="{04E0E73B-74EF-49DE-B506-587643F32E64}" destId="{5D915E4A-172A-4679-8F7C-37EE89DAC808}" srcOrd="14" destOrd="0" presId="urn:microsoft.com/office/officeart/2005/8/layout/bProcess4"/>
+    <dgm:cxn modelId="{A6E55979-9FF6-4C4E-9037-AD54065BF586}" type="presParOf" srcId="{5D915E4A-172A-4679-8F7C-37EE89DAC808}" destId="{D3C5CE7C-7D69-4316-9FE0-3E1E3D772A4D}" srcOrd="0" destOrd="0" presId="urn:microsoft.com/office/officeart/2005/8/layout/bProcess4"/>
+    <dgm:cxn modelId="{EC84D49A-5641-42EA-8A2F-BDED43ECBCF5}" type="presParOf" srcId="{5D915E4A-172A-4679-8F7C-37EE89DAC808}" destId="{1FF096CE-90BE-4B06-B243-4DF8B6460664}" srcOrd="1" destOrd="0" presId="urn:microsoft.com/office/officeart/2005/8/layout/bProcess4"/>
+    <dgm:cxn modelId="{D31DA3B8-43B7-4BB4-8BC3-38C8E7BE805C}" type="presParOf" srcId="{04E0E73B-74EF-49DE-B506-587643F32E64}" destId="{873C41DF-4DE9-48B9-9A6F-9BB78DBC7966}" srcOrd="15" destOrd="0" presId="urn:microsoft.com/office/officeart/2005/8/layout/bProcess4"/>
+    <dgm:cxn modelId="{E91EFC45-8C24-4831-AE9F-C5FA74AF549B}" type="presParOf" srcId="{04E0E73B-74EF-49DE-B506-587643F32E64}" destId="{09AF5D04-E0E6-4A3A-875D-414B589D9BE4}" srcOrd="16" destOrd="0" presId="urn:microsoft.com/office/officeart/2005/8/layout/bProcess4"/>
+    <dgm:cxn modelId="{79C43B7F-85F4-46D8-AA07-73CF7CBDFC91}" type="presParOf" srcId="{09AF5D04-E0E6-4A3A-875D-414B589D9BE4}" destId="{894C3B35-4F92-4C56-8D32-E96236824FEF}" srcOrd="0" destOrd="0" presId="urn:microsoft.com/office/officeart/2005/8/layout/bProcess4"/>
+    <dgm:cxn modelId="{FFFFDACF-E8FB-450F-B733-CED5C1957C7B}" type="presParOf" srcId="{09AF5D04-E0E6-4A3A-875D-414B589D9BE4}" destId="{7317B667-5BCA-4F94-9144-DA80ADC07EB5}" srcOrd="1" destOrd="0" presId="urn:microsoft.com/office/officeart/2005/8/layout/bProcess4"/>
   </dgm:cxnLst>
   <dgm:bg/>
   <dgm:whole/>
@@ -2151,7 +2329,7 @@
         <a:ext cx="2140557" cy="1253144"/>
       </dsp:txXfrm>
     </dsp:sp>
-    <dsp:sp modelId="{38E70E8A-AD03-46D3-A839-CA495F8E7D75}">
+    <dsp:sp modelId="{11BA8D5B-F4DA-42D0-A43A-6BD1C3D3059C}">
       <dsp:nvSpPr>
         <dsp:cNvPr id="0" name=""/>
         <dsp:cNvSpPr/>
@@ -2193,7 +2371,7 @@
         </a:fontRef>
       </dsp:style>
     </dsp:sp>
-    <dsp:sp modelId="{9D00C179-79DE-443E-886B-C417ED660FBA}">
+    <dsp:sp modelId="{85A68784-F5E1-4383-9ACB-51FAE4E0EA78}">
       <dsp:nvSpPr>
         <dsp:cNvPr id="0" name=""/>
         <dsp:cNvSpPr/>
@@ -2263,7 +2441,11 @@
           </a:pPr>
           <a:r>
             <a:rPr lang="en-US" sz="2000" kern="1200" dirty="0" smtClean="0"/>
-            <a:t>Train Frozen Model</a:t>
+            <a:t>Fully Train </a:t>
+          </a:r>
+          <a:r>
+            <a:rPr lang="en-US" sz="2000" kern="1200" dirty="0" smtClean="0"/>
+            <a:t>Model</a:t>
           </a:r>
           <a:endParaRPr lang="en-US" sz="2000" kern="1200" dirty="0"/>
         </a:p>
@@ -2273,7 +2455,49 @@
         <a:ext cx="2140557" cy="1253144"/>
       </dsp:txXfrm>
     </dsp:sp>
-    <dsp:sp modelId="{85A68784-F5E1-4383-9ACB-51FAE4E0EA78}">
+    <dsp:sp modelId="{873C41DF-4DE9-48B9-9A6F-9BB78DBC7966}">
+      <dsp:nvSpPr>
+        <dsp:cNvPr id="0" name=""/>
+        <dsp:cNvSpPr/>
+      </dsp:nvSpPr>
+      <dsp:spPr>
+        <a:xfrm rot="5400000">
+          <a:off x="5526964" y="3102489"/>
+          <a:ext cx="1654072" cy="199667"/>
+        </a:xfrm>
+        <a:prstGeom prst="rect">
+          <a:avLst/>
+        </a:prstGeom>
+        <a:solidFill>
+          <a:schemeClr val="accent1">
+            <a:tint val="60000"/>
+            <a:hueOff val="0"/>
+            <a:satOff val="0"/>
+            <a:lumOff val="0"/>
+            <a:alphaOff val="0"/>
+          </a:schemeClr>
+        </a:solidFill>
+        <a:ln>
+          <a:noFill/>
+        </a:ln>
+        <a:effectLst/>
+      </dsp:spPr>
+      <dsp:style>
+        <a:lnRef idx="0">
+          <a:scrgbClr r="0" g="0" b="0"/>
+        </a:lnRef>
+        <a:fillRef idx="1">
+          <a:scrgbClr r="0" g="0" b="0"/>
+        </a:fillRef>
+        <a:effectRef idx="0">
+          <a:scrgbClr r="0" g="0" b="0"/>
+        </a:effectRef>
+        <a:fontRef idx="minor">
+          <a:schemeClr val="lt1"/>
+        </a:fontRef>
+      </dsp:style>
+    </dsp:sp>
+    <dsp:sp modelId="{1FF096CE-90BE-4B06-B243-4DF8B6460664}">
       <dsp:nvSpPr>
         <dsp:cNvPr id="0" name=""/>
         <dsp:cNvSpPr/>
@@ -2343,13 +2567,93 @@
           </a:pPr>
           <a:r>
             <a:rPr lang="en-US" sz="2000" kern="1200" dirty="0" smtClean="0"/>
-            <a:t>Unfreeze &amp; Train Model</a:t>
+            <a:t>Ensemble Model</a:t>
           </a:r>
           <a:endParaRPr lang="en-US" sz="2000" kern="1200" dirty="0"/>
         </a:p>
       </dsp:txBody>
       <dsp:txXfrm>
         <a:off x="5944367" y="2082761"/>
+        <a:ext cx="2140557" cy="1253144"/>
+      </dsp:txXfrm>
+    </dsp:sp>
+    <dsp:sp modelId="{7317B667-5BCA-4F94-9144-DA80ADC07EB5}">
+      <dsp:nvSpPr>
+        <dsp:cNvPr id="0" name=""/>
+        <dsp:cNvSpPr/>
+      </dsp:nvSpPr>
+      <dsp:spPr>
+        <a:xfrm>
+          <a:off x="5905380" y="3707672"/>
+          <a:ext cx="2218531" cy="1331118"/>
+        </a:xfrm>
+        <a:prstGeom prst="roundRect">
+          <a:avLst>
+            <a:gd name="adj" fmla="val 10000"/>
+          </a:avLst>
+        </a:prstGeom>
+        <a:solidFill>
+          <a:schemeClr val="accent1">
+            <a:hueOff val="0"/>
+            <a:satOff val="0"/>
+            <a:lumOff val="0"/>
+            <a:alphaOff val="0"/>
+          </a:schemeClr>
+        </a:solidFill>
+        <a:ln w="12700" cap="flat" cmpd="sng" algn="ctr">
+          <a:solidFill>
+            <a:schemeClr val="lt1">
+              <a:hueOff val="0"/>
+              <a:satOff val="0"/>
+              <a:lumOff val="0"/>
+              <a:alphaOff val="0"/>
+            </a:schemeClr>
+          </a:solidFill>
+          <a:prstDash val="solid"/>
+          <a:miter lim="800000"/>
+        </a:ln>
+        <a:effectLst/>
+      </dsp:spPr>
+      <dsp:style>
+        <a:lnRef idx="2">
+          <a:scrgbClr r="0" g="0" b="0"/>
+        </a:lnRef>
+        <a:fillRef idx="1">
+          <a:scrgbClr r="0" g="0" b="0"/>
+        </a:fillRef>
+        <a:effectRef idx="0">
+          <a:scrgbClr r="0" g="0" b="0"/>
+        </a:effectRef>
+        <a:fontRef idx="minor">
+          <a:schemeClr val="lt1"/>
+        </a:fontRef>
+      </dsp:style>
+      <dsp:txBody>
+        <a:bodyPr spcFirstLastPara="0" vert="horz" wrap="square" lIns="76200" tIns="76200" rIns="76200" bIns="76200" numCol="1" spcCol="1270" anchor="ctr" anchorCtr="0">
+          <a:noAutofit/>
+        </a:bodyPr>
+        <a:lstStyle/>
+        <a:p>
+          <a:pPr lvl="0" algn="ctr" defTabSz="889000">
+            <a:lnSpc>
+              <a:spcPct val="90000"/>
+            </a:lnSpc>
+            <a:spcBef>
+              <a:spcPct val="0"/>
+            </a:spcBef>
+            <a:spcAft>
+              <a:spcPct val="35000"/>
+            </a:spcAft>
+          </a:pPr>
+          <a:r>
+            <a:rPr lang="en-US" sz="2000" kern="1200" dirty="0" smtClean="0"/>
+            <a:t>Inference on IOT Device</a:t>
+          </a:r>
+          <a:endParaRPr lang="en-US" sz="2000" kern="1200" dirty="0"/>
+        </a:p>
+      </dsp:txBody>
+      <dsp:txXfrm>
+        <a:off x="5944367" y="3746659"/>
         <a:ext cx="2140557" cy="1253144"/>
       </dsp:txXfrm>
     </dsp:sp>
@@ -3754,7 +4058,7 @@
           <a:p>
             <a:fld id="{16FB1EF8-3FBE-4456-A6E0-DD52F2CEB0A4}" type="datetimeFigureOut">
               <a:rPr lang="en-US" smtClean="0"/>
-              <a:t>7/3/2019</a:t>
+              <a:t>7/22/2019</a:t>
             </a:fld>
             <a:endParaRPr lang="en-US"/>
           </a:p>
@@ -3924,7 +4228,7 @@
           <a:p>
             <a:fld id="{16FB1EF8-3FBE-4456-A6E0-DD52F2CEB0A4}" type="datetimeFigureOut">
               <a:rPr lang="en-US" smtClean="0"/>
-              <a:t>7/3/2019</a:t>
+              <a:t>7/22/2019</a:t>
             </a:fld>
             <a:endParaRPr lang="en-US"/>
           </a:p>
@@ -4104,7 +4408,7 @@
           <a:p>
             <a:fld id="{16FB1EF8-3FBE-4456-A6E0-DD52F2CEB0A4}" type="datetimeFigureOut">
               <a:rPr lang="en-US" smtClean="0"/>
-              <a:t>7/3/2019</a:t>
+              <a:t>7/22/2019</a:t>
             </a:fld>
             <a:endParaRPr lang="en-US"/>
           </a:p>
@@ -4274,7 +4578,7 @@
           <a:p>
             <a:fld id="{16FB1EF8-3FBE-4456-A6E0-DD52F2CEB0A4}" type="datetimeFigureOut">
               <a:rPr lang="en-US" smtClean="0"/>
-              <a:t>7/3/2019</a:t>
+              <a:t>7/22/2019</a:t>
             </a:fld>
             <a:endParaRPr lang="en-US"/>
           </a:p>
@@ -4520,7 +4824,7 @@
           <a:p>
             <a:fld id="{16FB1EF8-3FBE-4456-A6E0-DD52F2CEB0A4}" type="datetimeFigureOut">
               <a:rPr lang="en-US" smtClean="0"/>
-              <a:t>7/3/2019</a:t>
+              <a:t>7/22/2019</a:t>
             </a:fld>
             <a:endParaRPr lang="en-US"/>
           </a:p>
@@ -4752,7 +5056,7 @@
           <a:p>
             <a:fld id="{16FB1EF8-3FBE-4456-A6E0-DD52F2CEB0A4}" type="datetimeFigureOut">
               <a:rPr lang="en-US" smtClean="0"/>
-              <a:t>7/3/2019</a:t>
+              <a:t>7/22/2019</a:t>
             </a:fld>
             <a:endParaRPr lang="en-US"/>
           </a:p>
@@ -5119,7 +5423,7 @@
           <a:p>
             <a:fld id="{16FB1EF8-3FBE-4456-A6E0-DD52F2CEB0A4}" type="datetimeFigureOut">
               <a:rPr lang="en-US" smtClean="0"/>
-              <a:t>7/3/2019</a:t>
+              <a:t>7/22/2019</a:t>
             </a:fld>
             <a:endParaRPr lang="en-US"/>
           </a:p>
@@ -5237,7 +5541,7 @@
           <a:p>
             <a:fld id="{16FB1EF8-3FBE-4456-A6E0-DD52F2CEB0A4}" type="datetimeFigureOut">
               <a:rPr lang="en-US" smtClean="0"/>
-              <a:t>7/3/2019</a:t>
+              <a:t>7/22/2019</a:t>
             </a:fld>
             <a:endParaRPr lang="en-US"/>
           </a:p>
@@ -5332,7 +5636,7 @@
           <a:p>
             <a:fld id="{16FB1EF8-3FBE-4456-A6E0-DD52F2CEB0A4}" type="datetimeFigureOut">
               <a:rPr lang="en-US" smtClean="0"/>
-              <a:t>7/3/2019</a:t>
+              <a:t>7/22/2019</a:t>
             </a:fld>
             <a:endParaRPr lang="en-US"/>
           </a:p>
@@ -5609,7 +5913,7 @@
           <a:p>
             <a:fld id="{16FB1EF8-3FBE-4456-A6E0-DD52F2CEB0A4}" type="datetimeFigureOut">
               <a:rPr lang="en-US" smtClean="0"/>
-              <a:t>7/3/2019</a:t>
+              <a:t>7/22/2019</a:t>
             </a:fld>
             <a:endParaRPr lang="en-US"/>
           </a:p>
@@ -5862,7 +6166,7 @@
           <a:p>
             <a:fld id="{16FB1EF8-3FBE-4456-A6E0-DD52F2CEB0A4}" type="datetimeFigureOut">
               <a:rPr lang="en-US" smtClean="0"/>
-              <a:t>7/3/2019</a:t>
+              <a:t>7/22/2019</a:t>
             </a:fld>
             <a:endParaRPr lang="en-US"/>
           </a:p>
@@ -6075,7 +6379,7 @@
           <a:p>
             <a:fld id="{16FB1EF8-3FBE-4456-A6E0-DD52F2CEB0A4}" type="datetimeFigureOut">
               <a:rPr lang="en-US" smtClean="0"/>
-              <a:t>7/3/2019</a:t>
+              <a:t>7/22/2019</a:t>
             </a:fld>
             <a:endParaRPr lang="en-US"/>
           </a:p>
@@ -6487,7 +6791,7 @@
           <p:nvPr>
             <p:extLst>
               <p:ext uri="{D42A27DB-BD31-4B8C-83A1-F6EECF244321}">
-                <p14:modId xmlns:p14="http://schemas.microsoft.com/office/powerpoint/2010/main" val="2126105273"/>
+                <p14:modId xmlns:p14="http://schemas.microsoft.com/office/powerpoint/2010/main" val="996464479"/>
               </p:ext>
             </p:extLst>
           </p:nvPr>
